--- a/documnet/ppt2.pptx
+++ b/documnet/ppt2.pptx
@@ -4357,45 +4357,6 @@
               <a:ea typeface="黑体" panose="02010609060101010101" pitchFamily="49" charset="-122"/>
               <a:cs typeface="Times New Roman" panose="02020603050405020304" pitchFamily="18" charset="0"/>
             </a:endParaRPr>
-          </a:p>
-        </p:txBody>
-      </p:sp>
-      <p:sp>
-        <p:nvSpPr>
-          <p:cNvPr id="3" name="副标题 2"/>
-          <p:cNvSpPr>
-            <a:spLocks noGrp="1"/>
-          </p:cNvSpPr>
-          <p:nvPr>
-            <p:ph type="subTitle" idx="1"/>
-          </p:nvPr>
-        </p:nvSpPr>
-        <p:spPr>
-          <a:xfrm>
-            <a:off x="449114" y="2172230"/>
-            <a:ext cx="10993546" cy="468233"/>
-          </a:xfrm>
-        </p:spPr>
-        <p:txBody>
-          <a:bodyPr rtlCol="0">
-            <a:noAutofit/>
-          </a:bodyPr>
-          <a:lstStyle/>
-          <a:p>
-            <a:pPr rtl="0"/>
-            <a:r>
-              <a:rPr lang="en-US" altLang="en-US" sz="2000" dirty="0"/>
-              <a:t>   </a:t>
-            </a:r>
-            <a:r>
-              <a:rPr lang="zh-CN" altLang="en-US" sz="2000" dirty="0"/>
-              <a:t>小组成员：吴岳东，刘家溪</a:t>
-            </a:r>
-            <a:endParaRPr lang="en-US" altLang="zh-CN" sz="2000" dirty="0"/>
-          </a:p>
-          <a:p>
-            <a:pPr rtl="0"/>
-            <a:endParaRPr lang="en-US" altLang="zh-CN" sz="2000" dirty="0"/>
           </a:p>
         </p:txBody>
       </p:sp>
